--- a/start.pptx
+++ b/start.pptx
@@ -5,10 +5,9 @@
     <p:sldMasterId id="2147483648" r:id="rId1"/>
   </p:sldMasterIdLst>
   <p:sldIdLst>
-    <p:sldId id="256" r:id="rId2"/>
-    <p:sldId id="257" r:id="rId3"/>
-    <p:sldId id="258" r:id="rId4"/>
-    <p:sldId id="259" r:id="rId5"/>
+    <p:sldId id="257" r:id="rId2"/>
+    <p:sldId id="258" r:id="rId3"/>
+    <p:sldId id="259" r:id="rId4"/>
   </p:sldIdLst>
   <p:sldSz cx="12192000" cy="6858000"/>
   <p:notesSz cx="6858000" cy="9144000"/>
@@ -107,6 +106,11 @@
       </a:defRPr>
     </a:lvl9pPr>
   </p:defaultTextStyle>
+  <p:extLst>
+    <p:ext uri="{EFAFB233-063F-42B5-8137-9DF3F51BA10A}">
+      <p15:sldGuideLst xmlns:p15="http://schemas.microsoft.com/office/powerpoint/2012/main"/>
+    </p:ext>
+  </p:extLst>
 </p:presentation>
 </file>
 
@@ -257,7 +261,7 @@
           <a:p>
             <a:fld id="{2863E161-9B5F-4DBE-AF8A-83003D4B80AF}" type="datetimeFigureOut">
               <a:rPr lang="ru-RU" smtClean="0"/>
-              <a:t>12.04.2024</a:t>
+              <a:t>13.04.2024</a:t>
             </a:fld>
             <a:endParaRPr lang="ru-RU"/>
           </a:p>
@@ -455,7 +459,7 @@
           <a:p>
             <a:fld id="{2863E161-9B5F-4DBE-AF8A-83003D4B80AF}" type="datetimeFigureOut">
               <a:rPr lang="ru-RU" smtClean="0"/>
-              <a:t>12.04.2024</a:t>
+              <a:t>13.04.2024</a:t>
             </a:fld>
             <a:endParaRPr lang="ru-RU"/>
           </a:p>
@@ -663,7 +667,7 @@
           <a:p>
             <a:fld id="{2863E161-9B5F-4DBE-AF8A-83003D4B80AF}" type="datetimeFigureOut">
               <a:rPr lang="ru-RU" smtClean="0"/>
-              <a:t>12.04.2024</a:t>
+              <a:t>13.04.2024</a:t>
             </a:fld>
             <a:endParaRPr lang="ru-RU"/>
           </a:p>
@@ -861,7 +865,7 @@
           <a:p>
             <a:fld id="{2863E161-9B5F-4DBE-AF8A-83003D4B80AF}" type="datetimeFigureOut">
               <a:rPr lang="ru-RU" smtClean="0"/>
-              <a:t>12.04.2024</a:t>
+              <a:t>13.04.2024</a:t>
             </a:fld>
             <a:endParaRPr lang="ru-RU"/>
           </a:p>
@@ -1136,7 +1140,7 @@
           <a:p>
             <a:fld id="{2863E161-9B5F-4DBE-AF8A-83003D4B80AF}" type="datetimeFigureOut">
               <a:rPr lang="ru-RU" smtClean="0"/>
-              <a:t>12.04.2024</a:t>
+              <a:t>13.04.2024</a:t>
             </a:fld>
             <a:endParaRPr lang="ru-RU"/>
           </a:p>
@@ -1401,7 +1405,7 @@
           <a:p>
             <a:fld id="{2863E161-9B5F-4DBE-AF8A-83003D4B80AF}" type="datetimeFigureOut">
               <a:rPr lang="ru-RU" smtClean="0"/>
-              <a:t>12.04.2024</a:t>
+              <a:t>13.04.2024</a:t>
             </a:fld>
             <a:endParaRPr lang="ru-RU"/>
           </a:p>
@@ -1813,7 +1817,7 @@
           <a:p>
             <a:fld id="{2863E161-9B5F-4DBE-AF8A-83003D4B80AF}" type="datetimeFigureOut">
               <a:rPr lang="ru-RU" smtClean="0"/>
-              <a:t>12.04.2024</a:t>
+              <a:t>13.04.2024</a:t>
             </a:fld>
             <a:endParaRPr lang="ru-RU"/>
           </a:p>
@@ -1954,7 +1958,7 @@
           <a:p>
             <a:fld id="{2863E161-9B5F-4DBE-AF8A-83003D4B80AF}" type="datetimeFigureOut">
               <a:rPr lang="ru-RU" smtClean="0"/>
-              <a:t>12.04.2024</a:t>
+              <a:t>13.04.2024</a:t>
             </a:fld>
             <a:endParaRPr lang="ru-RU"/>
           </a:p>
@@ -2067,7 +2071,7 @@
           <a:p>
             <a:fld id="{2863E161-9B5F-4DBE-AF8A-83003D4B80AF}" type="datetimeFigureOut">
               <a:rPr lang="ru-RU" smtClean="0"/>
-              <a:t>12.04.2024</a:t>
+              <a:t>13.04.2024</a:t>
             </a:fld>
             <a:endParaRPr lang="ru-RU"/>
           </a:p>
@@ -2378,7 +2382,7 @@
           <a:p>
             <a:fld id="{2863E161-9B5F-4DBE-AF8A-83003D4B80AF}" type="datetimeFigureOut">
               <a:rPr lang="ru-RU" smtClean="0"/>
-              <a:t>12.04.2024</a:t>
+              <a:t>13.04.2024</a:t>
             </a:fld>
             <a:endParaRPr lang="ru-RU"/>
           </a:p>
@@ -2666,7 +2670,7 @@
           <a:p>
             <a:fld id="{2863E161-9B5F-4DBE-AF8A-83003D4B80AF}" type="datetimeFigureOut">
               <a:rPr lang="ru-RU" smtClean="0"/>
-              <a:t>12.04.2024</a:t>
+              <a:t>13.04.2024</a:t>
             </a:fld>
             <a:endParaRPr lang="ru-RU"/>
           </a:p>
@@ -2907,7 +2911,7 @@
           <a:p>
             <a:fld id="{2863E161-9B5F-4DBE-AF8A-83003D4B80AF}" type="datetimeFigureOut">
               <a:rPr lang="ru-RU" smtClean="0"/>
-              <a:t>12.04.2024</a:t>
+              <a:t>13.04.2024</a:t>
             </a:fld>
             <a:endParaRPr lang="ru-RU"/>
           </a:p>
@@ -3354,10 +3358,118 @@
           </a:prstGeom>
         </p:spPr>
       </p:pic>
+      <p:pic>
+        <p:nvPicPr>
+          <p:cNvPr id="3" name="Рисунок 2">
+            <a:extLst>
+              <a:ext uri="{FF2B5EF4-FFF2-40B4-BE49-F238E27FC236}">
+                <a16:creationId xmlns:a16="http://schemas.microsoft.com/office/drawing/2014/main" id="{8AD423CE-3805-40DB-8BE4-93E7E0812543}"/>
+              </a:ext>
+            </a:extLst>
+          </p:cNvPr>
+          <p:cNvPicPr>
+            <a:picLocks noChangeAspect="1"/>
+          </p:cNvPicPr>
+          <p:nvPr/>
+        </p:nvPicPr>
+        <p:blipFill>
+          <a:blip r:embed="rId3">
+            <a:extLst>
+              <a:ext uri="{28A0092B-C50C-407E-A947-70E740481C1C}">
+                <a14:useLocalDpi xmlns:a14="http://schemas.microsoft.com/office/drawing/2010/main" val="0"/>
+              </a:ext>
+            </a:extLst>
+          </a:blip>
+          <a:stretch>
+            <a:fillRect/>
+          </a:stretch>
+        </p:blipFill>
+        <p:spPr>
+          <a:xfrm>
+            <a:off x="71022" y="6125593"/>
+            <a:ext cx="12120978" cy="732408"/>
+          </a:xfrm>
+          <a:prstGeom prst="rect">
+            <a:avLst/>
+          </a:prstGeom>
+        </p:spPr>
+      </p:pic>
+      <p:sp>
+        <p:nvSpPr>
+          <p:cNvPr id="5" name="TextBox 4">
+            <a:extLst>
+              <a:ext uri="{FF2B5EF4-FFF2-40B4-BE49-F238E27FC236}">
+                <a16:creationId xmlns:a16="http://schemas.microsoft.com/office/drawing/2014/main" id="{2A3B9269-B455-4DDF-9D52-B2047B3C27F1}"/>
+              </a:ext>
+            </a:extLst>
+          </p:cNvPr>
+          <p:cNvSpPr txBox="1"/>
+          <p:nvPr/>
+        </p:nvSpPr>
+        <p:spPr>
+          <a:xfrm>
+            <a:off x="2860828" y="595990"/>
+            <a:ext cx="6094520" cy="461665"/>
+          </a:xfrm>
+          <a:prstGeom prst="rect">
+            <a:avLst/>
+          </a:prstGeom>
+          <a:noFill/>
+        </p:spPr>
+        <p:txBody>
+          <a:bodyPr wrap="square">
+            <a:spAutoFit/>
+          </a:bodyPr>
+          <a:lstStyle/>
+          <a:p>
+            <a:r>
+              <a:rPr lang="ru-RU" sz="2400" dirty="0">
+                <a:latin typeface="+mj-lt"/>
+              </a:rPr>
+              <a:t>Семантическая классификация документов</a:t>
+            </a:r>
+          </a:p>
+        </p:txBody>
+      </p:sp>
+      <p:sp>
+        <p:nvSpPr>
+          <p:cNvPr id="8" name="TextBox 7">
+            <a:extLst>
+              <a:ext uri="{FF2B5EF4-FFF2-40B4-BE49-F238E27FC236}">
+                <a16:creationId xmlns:a16="http://schemas.microsoft.com/office/drawing/2014/main" id="{271042E2-ECC9-4C64-9187-4B1C412BF250}"/>
+              </a:ext>
+            </a:extLst>
+          </p:cNvPr>
+          <p:cNvSpPr txBox="1"/>
+          <p:nvPr/>
+        </p:nvSpPr>
+        <p:spPr>
+          <a:xfrm>
+            <a:off x="366204" y="1758648"/>
+            <a:ext cx="6094520" cy="646331"/>
+          </a:xfrm>
+          <a:prstGeom prst="rect">
+            <a:avLst/>
+          </a:prstGeom>
+          <a:noFill/>
+        </p:spPr>
+        <p:txBody>
+          <a:bodyPr wrap="square">
+            <a:spAutoFit/>
+          </a:bodyPr>
+          <a:lstStyle/>
+          <a:p>
+            <a:r>
+              <a:rPr lang="ru-RU" dirty="0"/>
+              <a:t>Общество с ограниченной ответственностью «Акселератор Возможностей» при ИНТЦ МГУ «Воробьевы горы»</a:t>
+            </a:r>
+          </a:p>
+        </p:txBody>
+      </p:sp>
     </p:spTree>
     <p:extLst>
       <p:ext uri="{BB962C8B-B14F-4D97-AF65-F5344CB8AC3E}">
-        <p14:creationId xmlns:p14="http://schemas.microsoft.com/office/powerpoint/2010/main" val="896096006"/>
+        <p14:creationId xmlns:p14="http://schemas.microsoft.com/office/powerpoint/2010/main" val="3446530961"/>
       </p:ext>
     </p:extLst>
   </p:cSld>
@@ -3414,10 +3526,529 @@
           </a:prstGeom>
         </p:spPr>
       </p:pic>
+      <p:pic>
+        <p:nvPicPr>
+          <p:cNvPr id="3" name="Рисунок 2">
+            <a:extLst>
+              <a:ext uri="{FF2B5EF4-FFF2-40B4-BE49-F238E27FC236}">
+                <a16:creationId xmlns:a16="http://schemas.microsoft.com/office/drawing/2014/main" id="{8AD423CE-3805-40DB-8BE4-93E7E0812543}"/>
+              </a:ext>
+            </a:extLst>
+          </p:cNvPr>
+          <p:cNvPicPr>
+            <a:picLocks noChangeAspect="1"/>
+          </p:cNvPicPr>
+          <p:nvPr/>
+        </p:nvPicPr>
+        <p:blipFill>
+          <a:blip r:embed="rId3">
+            <a:extLst>
+              <a:ext uri="{28A0092B-C50C-407E-A947-70E740481C1C}">
+                <a14:useLocalDpi xmlns:a14="http://schemas.microsoft.com/office/drawing/2010/main" val="0"/>
+              </a:ext>
+            </a:extLst>
+          </a:blip>
+          <a:stretch>
+            <a:fillRect/>
+          </a:stretch>
+        </p:blipFill>
+        <p:spPr>
+          <a:xfrm>
+            <a:off x="71022" y="6125593"/>
+            <a:ext cx="12120978" cy="732408"/>
+          </a:xfrm>
+          <a:prstGeom prst="rect">
+            <a:avLst/>
+          </a:prstGeom>
+        </p:spPr>
+      </p:pic>
+      <p:sp>
+        <p:nvSpPr>
+          <p:cNvPr id="5" name="TextBox 4">
+            <a:extLst>
+              <a:ext uri="{FF2B5EF4-FFF2-40B4-BE49-F238E27FC236}">
+                <a16:creationId xmlns:a16="http://schemas.microsoft.com/office/drawing/2014/main" id="{2A3B9269-B455-4DDF-9D52-B2047B3C27F1}"/>
+              </a:ext>
+            </a:extLst>
+          </p:cNvPr>
+          <p:cNvSpPr txBox="1"/>
+          <p:nvPr/>
+        </p:nvSpPr>
+        <p:spPr>
+          <a:xfrm>
+            <a:off x="2860828" y="595990"/>
+            <a:ext cx="6094520" cy="461665"/>
+          </a:xfrm>
+          <a:prstGeom prst="rect">
+            <a:avLst/>
+          </a:prstGeom>
+          <a:noFill/>
+        </p:spPr>
+        <p:txBody>
+          <a:bodyPr wrap="square">
+            <a:spAutoFit/>
+          </a:bodyPr>
+          <a:lstStyle/>
+          <a:p>
+            <a:r>
+              <a:rPr lang="ru-RU" sz="2400" dirty="0">
+                <a:latin typeface="+mj-lt"/>
+              </a:rPr>
+              <a:t>Семантическая классификация документов</a:t>
+            </a:r>
+          </a:p>
+        </p:txBody>
+      </p:sp>
+      <p:sp>
+        <p:nvSpPr>
+          <p:cNvPr id="8" name="TextBox 7">
+            <a:extLst>
+              <a:ext uri="{FF2B5EF4-FFF2-40B4-BE49-F238E27FC236}">
+                <a16:creationId xmlns:a16="http://schemas.microsoft.com/office/drawing/2014/main" id="{271042E2-ECC9-4C64-9187-4B1C412BF250}"/>
+              </a:ext>
+            </a:extLst>
+          </p:cNvPr>
+          <p:cNvSpPr txBox="1"/>
+          <p:nvPr/>
+        </p:nvSpPr>
+        <p:spPr>
+          <a:xfrm>
+            <a:off x="3818508" y="2925074"/>
+            <a:ext cx="6094520" cy="369332"/>
+          </a:xfrm>
+          <a:prstGeom prst="rect">
+            <a:avLst/>
+          </a:prstGeom>
+          <a:noFill/>
+        </p:spPr>
+        <p:txBody>
+          <a:bodyPr wrap="square">
+            <a:spAutoFit/>
+          </a:bodyPr>
+          <a:lstStyle/>
+          <a:p>
+            <a:r>
+              <a:rPr lang="ru-RU" dirty="0"/>
+              <a:t>Соглашения</a:t>
+            </a:r>
+          </a:p>
+        </p:txBody>
+      </p:sp>
+      <p:sp>
+        <p:nvSpPr>
+          <p:cNvPr id="6" name="TextBox 5">
+            <a:extLst>
+              <a:ext uri="{FF2B5EF4-FFF2-40B4-BE49-F238E27FC236}">
+                <a16:creationId xmlns:a16="http://schemas.microsoft.com/office/drawing/2014/main" id="{51F0CFF4-A99D-4BB4-B0CF-991F595AD544}"/>
+              </a:ext>
+            </a:extLst>
+          </p:cNvPr>
+          <p:cNvSpPr txBox="1"/>
+          <p:nvPr/>
+        </p:nvSpPr>
+        <p:spPr>
+          <a:xfrm>
+            <a:off x="1396014" y="2144154"/>
+            <a:ext cx="6094520" cy="369332"/>
+          </a:xfrm>
+          <a:prstGeom prst="rect">
+            <a:avLst/>
+          </a:prstGeom>
+          <a:noFill/>
+        </p:spPr>
+        <p:txBody>
+          <a:bodyPr wrap="square">
+            <a:spAutoFit/>
+          </a:bodyPr>
+          <a:lstStyle/>
+          <a:p>
+            <a:r>
+              <a:rPr lang="ru-RU" dirty="0"/>
+              <a:t>Заявления</a:t>
+            </a:r>
+          </a:p>
+        </p:txBody>
+      </p:sp>
+      <p:sp>
+        <p:nvSpPr>
+          <p:cNvPr id="9" name="TextBox 8">
+            <a:extLst>
+              <a:ext uri="{FF2B5EF4-FFF2-40B4-BE49-F238E27FC236}">
+                <a16:creationId xmlns:a16="http://schemas.microsoft.com/office/drawing/2014/main" id="{B0B72A7F-E78F-40FD-9095-7221E0CE84EE}"/>
+              </a:ext>
+            </a:extLst>
+          </p:cNvPr>
+          <p:cNvSpPr txBox="1"/>
+          <p:nvPr/>
+        </p:nvSpPr>
+        <p:spPr>
+          <a:xfrm>
+            <a:off x="2647765" y="2532050"/>
+            <a:ext cx="6094520" cy="369332"/>
+          </a:xfrm>
+          <a:prstGeom prst="rect">
+            <a:avLst/>
+          </a:prstGeom>
+          <a:noFill/>
+        </p:spPr>
+        <p:txBody>
+          <a:bodyPr wrap="square">
+            <a:spAutoFit/>
+          </a:bodyPr>
+          <a:lstStyle/>
+          <a:p>
+            <a:r>
+              <a:rPr lang="ru-RU" dirty="0"/>
+              <a:t>Приказы</a:t>
+            </a:r>
+          </a:p>
+        </p:txBody>
+      </p:sp>
+      <p:sp>
+        <p:nvSpPr>
+          <p:cNvPr id="10" name="TextBox 9">
+            <a:extLst>
+              <a:ext uri="{FF2B5EF4-FFF2-40B4-BE49-F238E27FC236}">
+                <a16:creationId xmlns:a16="http://schemas.microsoft.com/office/drawing/2014/main" id="{60FEE6F0-835F-48B8-BCEA-5665D60A4BA4}"/>
+              </a:ext>
+            </a:extLst>
+          </p:cNvPr>
+          <p:cNvSpPr txBox="1"/>
+          <p:nvPr/>
+        </p:nvSpPr>
+        <p:spPr>
+          <a:xfrm>
+            <a:off x="366204" y="1756258"/>
+            <a:ext cx="6094520" cy="369332"/>
+          </a:xfrm>
+          <a:prstGeom prst="rect">
+            <a:avLst/>
+          </a:prstGeom>
+          <a:noFill/>
+        </p:spPr>
+        <p:txBody>
+          <a:bodyPr wrap="square">
+            <a:spAutoFit/>
+          </a:bodyPr>
+          <a:lstStyle/>
+          <a:p>
+            <a:r>
+              <a:rPr lang="ru-RU" dirty="0"/>
+              <a:t>Договора</a:t>
+            </a:r>
+          </a:p>
+        </p:txBody>
+      </p:sp>
+      <p:sp>
+        <p:nvSpPr>
+          <p:cNvPr id="11" name="TextBox 10">
+            <a:extLst>
+              <a:ext uri="{FF2B5EF4-FFF2-40B4-BE49-F238E27FC236}">
+                <a16:creationId xmlns:a16="http://schemas.microsoft.com/office/drawing/2014/main" id="{FDAA2894-AD53-4C2D-8D58-2821B3871754}"/>
+              </a:ext>
+            </a:extLst>
+          </p:cNvPr>
+          <p:cNvSpPr txBox="1"/>
+          <p:nvPr/>
+        </p:nvSpPr>
+        <p:spPr>
+          <a:xfrm>
+            <a:off x="5731276" y="3312794"/>
+            <a:ext cx="6094520" cy="369332"/>
+          </a:xfrm>
+          <a:prstGeom prst="rect">
+            <a:avLst/>
+          </a:prstGeom>
+          <a:noFill/>
+        </p:spPr>
+        <p:txBody>
+          <a:bodyPr wrap="square">
+            <a:spAutoFit/>
+          </a:bodyPr>
+          <a:lstStyle/>
+          <a:p>
+            <a:r>
+              <a:rPr lang="ru-RU" dirty="0"/>
+              <a:t>Уставы</a:t>
+            </a:r>
+          </a:p>
+        </p:txBody>
+      </p:sp>
+      <p:sp>
+        <p:nvSpPr>
+          <p:cNvPr id="12" name="TextBox 11">
+            <a:extLst>
+              <a:ext uri="{FF2B5EF4-FFF2-40B4-BE49-F238E27FC236}">
+                <a16:creationId xmlns:a16="http://schemas.microsoft.com/office/drawing/2014/main" id="{5FD969B5-8E26-42CD-AA03-E6B0FF12E5A7}"/>
+              </a:ext>
+            </a:extLst>
+          </p:cNvPr>
+          <p:cNvSpPr txBox="1"/>
+          <p:nvPr/>
+        </p:nvSpPr>
+        <p:spPr>
+          <a:xfrm>
+            <a:off x="7059967" y="3610588"/>
+            <a:ext cx="6094520" cy="369332"/>
+          </a:xfrm>
+          <a:prstGeom prst="rect">
+            <a:avLst/>
+          </a:prstGeom>
+          <a:noFill/>
+        </p:spPr>
+        <p:txBody>
+          <a:bodyPr wrap="square">
+            <a:spAutoFit/>
+          </a:bodyPr>
+          <a:lstStyle/>
+          <a:p>
+            <a:r>
+              <a:rPr lang="ru-RU" dirty="0"/>
+              <a:t>Счет</a:t>
+            </a:r>
+          </a:p>
+        </p:txBody>
+      </p:sp>
+      <p:cxnSp>
+        <p:nvCxnSpPr>
+          <p:cNvPr id="4" name="Прямая со стрелкой 3">
+            <a:extLst>
+              <a:ext uri="{FF2B5EF4-FFF2-40B4-BE49-F238E27FC236}">
+                <a16:creationId xmlns:a16="http://schemas.microsoft.com/office/drawing/2014/main" id="{911D16B1-B598-4986-BA6A-275ABC884FEE}"/>
+              </a:ext>
+            </a:extLst>
+          </p:cNvPr>
+          <p:cNvCxnSpPr/>
+          <p:nvPr/>
+        </p:nvCxnSpPr>
+        <p:spPr>
+          <a:xfrm flipH="1">
+            <a:off x="1571348" y="1125651"/>
+            <a:ext cx="3932807" cy="721209"/>
+          </a:xfrm>
+          <a:prstGeom prst="straightConnector1">
+            <a:avLst/>
+          </a:prstGeom>
+          <a:ln>
+            <a:tailEnd type="triangle"/>
+          </a:ln>
+        </p:spPr>
+        <p:style>
+          <a:lnRef idx="1">
+            <a:schemeClr val="accent6"/>
+          </a:lnRef>
+          <a:fillRef idx="0">
+            <a:schemeClr val="accent6"/>
+          </a:fillRef>
+          <a:effectRef idx="0">
+            <a:schemeClr val="accent6"/>
+          </a:effectRef>
+          <a:fontRef idx="minor">
+            <a:schemeClr val="tx1"/>
+          </a:fontRef>
+        </p:style>
+      </p:cxnSp>
+      <p:cxnSp>
+        <p:nvCxnSpPr>
+          <p:cNvPr id="14" name="Прямая со стрелкой 13">
+            <a:extLst>
+              <a:ext uri="{FF2B5EF4-FFF2-40B4-BE49-F238E27FC236}">
+                <a16:creationId xmlns:a16="http://schemas.microsoft.com/office/drawing/2014/main" id="{245EBE69-9C06-4DF2-94FC-D37169C579C4}"/>
+              </a:ext>
+            </a:extLst>
+          </p:cNvPr>
+          <p:cNvCxnSpPr/>
+          <p:nvPr/>
+        </p:nvCxnSpPr>
+        <p:spPr>
+          <a:xfrm flipH="1">
+            <a:off x="2647765" y="1125651"/>
+            <a:ext cx="2962922" cy="1093766"/>
+          </a:xfrm>
+          <a:prstGeom prst="straightConnector1">
+            <a:avLst/>
+          </a:prstGeom>
+          <a:ln>
+            <a:tailEnd type="triangle"/>
+          </a:ln>
+        </p:spPr>
+        <p:style>
+          <a:lnRef idx="1">
+            <a:schemeClr val="accent1"/>
+          </a:lnRef>
+          <a:fillRef idx="0">
+            <a:schemeClr val="accent1"/>
+          </a:fillRef>
+          <a:effectRef idx="0">
+            <a:schemeClr val="accent1"/>
+          </a:effectRef>
+          <a:fontRef idx="minor">
+            <a:schemeClr val="tx1"/>
+          </a:fontRef>
+        </p:style>
+      </p:cxnSp>
+      <p:cxnSp>
+        <p:nvCxnSpPr>
+          <p:cNvPr id="16" name="Прямая со стрелкой 15">
+            <a:extLst>
+              <a:ext uri="{FF2B5EF4-FFF2-40B4-BE49-F238E27FC236}">
+                <a16:creationId xmlns:a16="http://schemas.microsoft.com/office/drawing/2014/main" id="{BB41C042-5171-42A3-B94F-4A58C8FA76FC}"/>
+              </a:ext>
+            </a:extLst>
+          </p:cNvPr>
+          <p:cNvCxnSpPr/>
+          <p:nvPr/>
+        </p:nvCxnSpPr>
+        <p:spPr>
+          <a:xfrm flipH="1">
+            <a:off x="3657600" y="1125651"/>
+            <a:ext cx="2073676" cy="1370380"/>
+          </a:xfrm>
+          <a:prstGeom prst="straightConnector1">
+            <a:avLst/>
+          </a:prstGeom>
+          <a:ln>
+            <a:tailEnd type="triangle"/>
+          </a:ln>
+        </p:spPr>
+        <p:style>
+          <a:lnRef idx="1">
+            <a:schemeClr val="accent1"/>
+          </a:lnRef>
+          <a:fillRef idx="0">
+            <a:schemeClr val="accent1"/>
+          </a:fillRef>
+          <a:effectRef idx="0">
+            <a:schemeClr val="accent1"/>
+          </a:effectRef>
+          <a:fontRef idx="minor">
+            <a:schemeClr val="tx1"/>
+          </a:fontRef>
+        </p:style>
+      </p:cxnSp>
+      <p:cxnSp>
+        <p:nvCxnSpPr>
+          <p:cNvPr id="18" name="Прямая со стрелкой 17">
+            <a:extLst>
+              <a:ext uri="{FF2B5EF4-FFF2-40B4-BE49-F238E27FC236}">
+                <a16:creationId xmlns:a16="http://schemas.microsoft.com/office/drawing/2014/main" id="{13CCD730-0887-4534-8441-B3C52DD35F2A}"/>
+              </a:ext>
+            </a:extLst>
+          </p:cNvPr>
+          <p:cNvCxnSpPr>
+            <a:cxnSpLocks/>
+          </p:cNvCxnSpPr>
+          <p:nvPr/>
+        </p:nvCxnSpPr>
+        <p:spPr>
+          <a:xfrm flipH="1">
+            <a:off x="5066190" y="1125651"/>
+            <a:ext cx="841899" cy="1706326"/>
+          </a:xfrm>
+          <a:prstGeom prst="straightConnector1">
+            <a:avLst/>
+          </a:prstGeom>
+          <a:ln>
+            <a:tailEnd type="triangle"/>
+          </a:ln>
+        </p:spPr>
+        <p:style>
+          <a:lnRef idx="1">
+            <a:schemeClr val="accent1"/>
+          </a:lnRef>
+          <a:fillRef idx="0">
+            <a:schemeClr val="accent1"/>
+          </a:fillRef>
+          <a:effectRef idx="0">
+            <a:schemeClr val="accent1"/>
+          </a:effectRef>
+          <a:fontRef idx="minor">
+            <a:schemeClr val="tx1"/>
+          </a:fontRef>
+        </p:style>
+      </p:cxnSp>
+      <p:cxnSp>
+        <p:nvCxnSpPr>
+          <p:cNvPr id="20" name="Прямая со стрелкой 19">
+            <a:extLst>
+              <a:ext uri="{FF2B5EF4-FFF2-40B4-BE49-F238E27FC236}">
+                <a16:creationId xmlns:a16="http://schemas.microsoft.com/office/drawing/2014/main" id="{C86CDCC2-9F4C-473E-9132-33F295775640}"/>
+              </a:ext>
+            </a:extLst>
+          </p:cNvPr>
+          <p:cNvCxnSpPr/>
+          <p:nvPr/>
+        </p:nvCxnSpPr>
+        <p:spPr>
+          <a:xfrm>
+            <a:off x="6096000" y="1125651"/>
+            <a:ext cx="35511" cy="2073025"/>
+          </a:xfrm>
+          <a:prstGeom prst="straightConnector1">
+            <a:avLst/>
+          </a:prstGeom>
+          <a:ln>
+            <a:tailEnd type="triangle"/>
+          </a:ln>
+        </p:spPr>
+        <p:style>
+          <a:lnRef idx="1">
+            <a:schemeClr val="accent1"/>
+          </a:lnRef>
+          <a:fillRef idx="0">
+            <a:schemeClr val="accent1"/>
+          </a:fillRef>
+          <a:effectRef idx="0">
+            <a:schemeClr val="accent1"/>
+          </a:effectRef>
+          <a:fontRef idx="minor">
+            <a:schemeClr val="tx1"/>
+          </a:fontRef>
+        </p:style>
+      </p:cxnSp>
+      <p:cxnSp>
+        <p:nvCxnSpPr>
+          <p:cNvPr id="22" name="Прямая со стрелкой 21">
+            <a:extLst>
+              <a:ext uri="{FF2B5EF4-FFF2-40B4-BE49-F238E27FC236}">
+                <a16:creationId xmlns:a16="http://schemas.microsoft.com/office/drawing/2014/main" id="{0DBFBE36-4077-4CFD-8A93-484404C2090A}"/>
+              </a:ext>
+            </a:extLst>
+          </p:cNvPr>
+          <p:cNvCxnSpPr/>
+          <p:nvPr/>
+        </p:nvCxnSpPr>
+        <p:spPr>
+          <a:xfrm>
+            <a:off x="6241002" y="1125651"/>
+            <a:ext cx="1249532" cy="2371809"/>
+          </a:xfrm>
+          <a:prstGeom prst="straightConnector1">
+            <a:avLst/>
+          </a:prstGeom>
+          <a:ln>
+            <a:tailEnd type="triangle"/>
+          </a:ln>
+        </p:spPr>
+        <p:style>
+          <a:lnRef idx="1">
+            <a:schemeClr val="accent1"/>
+          </a:lnRef>
+          <a:fillRef idx="0">
+            <a:schemeClr val="accent1"/>
+          </a:fillRef>
+          <a:effectRef idx="0">
+            <a:schemeClr val="accent1"/>
+          </a:effectRef>
+          <a:fontRef idx="minor">
+            <a:schemeClr val="tx1"/>
+          </a:fontRef>
+        </p:style>
+      </p:cxnSp>
     </p:spTree>
     <p:extLst>
       <p:ext uri="{BB962C8B-B14F-4D97-AF65-F5344CB8AC3E}">
-        <p14:creationId xmlns:p14="http://schemas.microsoft.com/office/powerpoint/2010/main" val="1272112410"/>
+        <p14:creationId xmlns:p14="http://schemas.microsoft.com/office/powerpoint/2010/main" val="2241583647"/>
       </p:ext>
     </p:extLst>
   </p:cSld>
@@ -3474,42 +4105,12 @@
           </a:prstGeom>
         </p:spPr>
       </p:pic>
-    </p:spTree>
-    <p:extLst>
-      <p:ext uri="{BB962C8B-B14F-4D97-AF65-F5344CB8AC3E}">
-        <p14:creationId xmlns:p14="http://schemas.microsoft.com/office/powerpoint/2010/main" val="4218243086"/>
-      </p:ext>
-    </p:extLst>
-  </p:cSld>
-  <p:clrMapOvr>
-    <a:masterClrMapping/>
-  </p:clrMapOvr>
-</p:sld>
-</file>
-
-<file path=ppt/slides/slide4.xml><?xml version="1.0" encoding="utf-8"?>
-<p:sld xmlns:a="http://schemas.openxmlformats.org/drawingml/2006/main" xmlns:r="http://schemas.openxmlformats.org/officeDocument/2006/relationships" xmlns:p="http://schemas.openxmlformats.org/presentationml/2006/main">
-  <p:cSld>
-    <p:spTree>
-      <p:nvGrpSpPr>
-        <p:cNvPr id="1" name=""/>
-        <p:cNvGrpSpPr/>
-        <p:nvPr/>
-      </p:nvGrpSpPr>
-      <p:grpSpPr>
-        <a:xfrm>
-          <a:off x="0" y="0"/>
-          <a:ext cx="0" cy="0"/>
-          <a:chOff x="0" y="0"/>
-          <a:chExt cx="0" cy="0"/>
-        </a:xfrm>
-      </p:grpSpPr>
       <p:pic>
         <p:nvPicPr>
-          <p:cNvPr id="7" name="Рисунок 6">
-            <a:extLst>
-              <a:ext uri="{FF2B5EF4-FFF2-40B4-BE49-F238E27FC236}">
-                <a16:creationId xmlns:a16="http://schemas.microsoft.com/office/drawing/2014/main" id="{B98185D6-519C-4EBF-AC6E-BBC90661AE10}"/>
+          <p:cNvPr id="3" name="Рисунок 2">
+            <a:extLst>
+              <a:ext uri="{FF2B5EF4-FFF2-40B4-BE49-F238E27FC236}">
+                <a16:creationId xmlns:a16="http://schemas.microsoft.com/office/drawing/2014/main" id="{8AD423CE-3805-40DB-8BE4-93E7E0812543}"/>
               </a:ext>
             </a:extLst>
           </p:cNvPr>
@@ -3519,25 +4120,68 @@
           <p:nvPr/>
         </p:nvPicPr>
         <p:blipFill>
-          <a:blip r:embed="rId2"/>
+          <a:blip r:embed="rId3">
+            <a:extLst>
+              <a:ext uri="{28A0092B-C50C-407E-A947-70E740481C1C}">
+                <a14:useLocalDpi xmlns:a14="http://schemas.microsoft.com/office/drawing/2010/main" val="0"/>
+              </a:ext>
+            </a:extLst>
+          </a:blip>
           <a:stretch>
             <a:fillRect/>
           </a:stretch>
         </p:blipFill>
         <p:spPr>
           <a:xfrm>
-            <a:off x="0" y="0"/>
-            <a:ext cx="958788" cy="1089803"/>
+            <a:off x="71022" y="6125593"/>
+            <a:ext cx="12120978" cy="732408"/>
           </a:xfrm>
           <a:prstGeom prst="rect">
             <a:avLst/>
           </a:prstGeom>
         </p:spPr>
       </p:pic>
+      <p:sp>
+        <p:nvSpPr>
+          <p:cNvPr id="5" name="TextBox 4">
+            <a:extLst>
+              <a:ext uri="{FF2B5EF4-FFF2-40B4-BE49-F238E27FC236}">
+                <a16:creationId xmlns:a16="http://schemas.microsoft.com/office/drawing/2014/main" id="{2A3B9269-B455-4DDF-9D52-B2047B3C27F1}"/>
+              </a:ext>
+            </a:extLst>
+          </p:cNvPr>
+          <p:cNvSpPr txBox="1"/>
+          <p:nvPr/>
+        </p:nvSpPr>
+        <p:spPr>
+          <a:xfrm>
+            <a:off x="2860828" y="595990"/>
+            <a:ext cx="6094520" cy="461665"/>
+          </a:xfrm>
+          <a:prstGeom prst="rect">
+            <a:avLst/>
+          </a:prstGeom>
+          <a:noFill/>
+        </p:spPr>
+        <p:txBody>
+          <a:bodyPr wrap="square">
+            <a:spAutoFit/>
+          </a:bodyPr>
+          <a:lstStyle/>
+          <a:p>
+            <a:r>
+              <a:rPr lang="ru-RU" sz="2400" dirty="0">
+                <a:latin typeface="+mj-lt"/>
+              </a:rPr>
+              <a:t>Семантическая классификация документов</a:t>
+            </a:r>
+          </a:p>
+        </p:txBody>
+      </p:sp>
     </p:spTree>
     <p:extLst>
       <p:ext uri="{BB962C8B-B14F-4D97-AF65-F5344CB8AC3E}">
-        <p14:creationId xmlns:p14="http://schemas.microsoft.com/office/powerpoint/2010/main" val="335092242"/>
+        <p14:creationId xmlns:p14="http://schemas.microsoft.com/office/powerpoint/2010/main" val="1869893052"/>
       </p:ext>
     </p:extLst>
   </p:cSld>
